--- a/content/grade8/cycle04/week2/G8_C4_W2_Invasive_Species_Slides_Final.pptx
+++ b/content/grade8/cycle04/week2/G8_C4_W2_Invasive_Species_Slides_Final.pptx
@@ -3613,8 +3613,8 @@
         </p:nvSpPr>
         <p:spPr>
           <a:xfrm>
-            <a:off x="457200" y="3429000"/>
-            <a:ext cx="8229600" cy="365760"/>
+            <a:off x="457200" y="3410712"/>
+            <a:ext cx="8229600" cy="457200"/>
           </a:xfrm>
           <a:prstGeom prst="rect">
             <a:avLst/>
@@ -3786,8 +3786,8 @@
         </p:nvSpPr>
         <p:spPr>
           <a:xfrm>
-            <a:off x="320040" y="594360"/>
-            <a:ext cx="8503920" cy="274320"/>
+            <a:off x="320040" y="576072"/>
+            <a:ext cx="8503920" cy="365760"/>
           </a:xfrm>
           <a:prstGeom prst="rect">
             <a:avLst/>
@@ -4475,8 +4475,8 @@
         </p:nvSpPr>
         <p:spPr>
           <a:xfrm>
-            <a:off x="457200" y="3291840"/>
-            <a:ext cx="8229600" cy="365760"/>
+            <a:off x="457200" y="3273552"/>
+            <a:ext cx="8229600" cy="457200"/>
           </a:xfrm>
           <a:prstGeom prst="rect">
             <a:avLst/>
@@ -4652,8 +4652,8 @@
         </p:nvSpPr>
         <p:spPr>
           <a:xfrm>
-            <a:off x="320040" y="594360"/>
-            <a:ext cx="8503920" cy="274320"/>
+            <a:off x="320040" y="576072"/>
+            <a:ext cx="8503920" cy="365760"/>
           </a:xfrm>
           <a:prstGeom prst="rect">
             <a:avLst/>
@@ -5870,8 +5870,8 @@
         </p:nvSpPr>
         <p:spPr>
           <a:xfrm>
-            <a:off x="457200" y="4297680"/>
-            <a:ext cx="8229600" cy="548640"/>
+            <a:off x="457200" y="4279392"/>
+            <a:ext cx="8229600" cy="640080"/>
           </a:xfrm>
           <a:prstGeom prst="rect">
             <a:avLst/>
@@ -6007,8 +6007,8 @@
         </p:nvSpPr>
         <p:spPr>
           <a:xfrm>
-            <a:off x="320040" y="594360"/>
-            <a:ext cx="8503920" cy="274320"/>
+            <a:off x="320040" y="576072"/>
+            <a:ext cx="8503920" cy="365760"/>
           </a:xfrm>
           <a:prstGeom prst="rect">
             <a:avLst/>
@@ -6213,8 +6213,8 @@
         </p:nvSpPr>
         <p:spPr>
           <a:xfrm>
-            <a:off x="457200" y="3611880"/>
-            <a:ext cx="8229600" cy="365760"/>
+            <a:off x="457200" y="3593592"/>
+            <a:ext cx="8229600" cy="457200"/>
           </a:xfrm>
           <a:prstGeom prst="rect">
             <a:avLst/>
@@ -9557,8 +9557,8 @@
         </p:nvSpPr>
         <p:spPr>
           <a:xfrm>
-            <a:off x="320040" y="594360"/>
-            <a:ext cx="8503920" cy="274320"/>
+            <a:off x="320040" y="576072"/>
+            <a:ext cx="8503920" cy="365760"/>
           </a:xfrm>
           <a:prstGeom prst="rect">
             <a:avLst/>
@@ -10249,8 +10249,8 @@
         </p:nvSpPr>
         <p:spPr>
           <a:xfrm>
-            <a:off x="457200" y="3474720"/>
-            <a:ext cx="8229600" cy="365760"/>
+            <a:off x="457200" y="3456432"/>
+            <a:ext cx="8229600" cy="457200"/>
           </a:xfrm>
           <a:prstGeom prst="rect">
             <a:avLst/>
@@ -10422,8 +10422,8 @@
         </p:nvSpPr>
         <p:spPr>
           <a:xfrm>
-            <a:off x="320040" y="594360"/>
-            <a:ext cx="8503920" cy="274320"/>
+            <a:off x="320040" y="576072"/>
+            <a:ext cx="8503920" cy="365760"/>
           </a:xfrm>
           <a:prstGeom prst="rect">
             <a:avLst/>
